--- a/Project 3_Group-5_Visualizing Data.pptx
+++ b/Project 3_Group-5_Visualizing Data.pptx
@@ -7,7 +7,11 @@
   <p:sldIdLst>
     <p:sldId id="256" r:id="rId2"/>
     <p:sldId id="257" r:id="rId3"/>
-    <p:sldId id="258" r:id="rId4"/>
+    <p:sldId id="259" r:id="rId4"/>
+    <p:sldId id="260" r:id="rId5"/>
+    <p:sldId id="261" r:id="rId6"/>
+    <p:sldId id="262" r:id="rId7"/>
+    <p:sldId id="258" r:id="rId8"/>
   </p:sldIdLst>
   <p:sldSz cx="12192000" cy="6858000"/>
   <p:notesSz cx="6858000" cy="9144000"/>
@@ -4145,7 +4149,85 @@
           <a:bodyPr/>
           <a:lstStyle/>
           <a:p>
-            <a:endParaRPr lang="en-US" dirty="0"/>
+            <a:r>
+              <a:rPr lang="en-US" dirty="0">
+                <a:latin typeface="Arial" panose="020B0604020202020204" pitchFamily="34" charset="0"/>
+                <a:cs typeface="Arial" panose="020B0604020202020204" pitchFamily="34" charset="0"/>
+              </a:rPr>
+              <a:t>Overview of Data</a:t>
+            </a:r>
+          </a:p>
+          <a:p>
+            <a:r>
+              <a:rPr lang="en-US" dirty="0">
+                <a:latin typeface="Arial" panose="020B0604020202020204" pitchFamily="34" charset="0"/>
+                <a:cs typeface="Arial" panose="020B0604020202020204" pitchFamily="34" charset="0"/>
+              </a:rPr>
+              <a:t>Dataset record (~186)</a:t>
+            </a:r>
+          </a:p>
+          <a:p>
+            <a:r>
+              <a:rPr lang="en-US" dirty="0">
+                <a:latin typeface="Arial" panose="020B0604020202020204" pitchFamily="34" charset="0"/>
+                <a:cs typeface="Arial" panose="020B0604020202020204" pitchFamily="34" charset="0"/>
+              </a:rPr>
+              <a:t>Python Flask</a:t>
+            </a:r>
+          </a:p>
+          <a:p>
+            <a:r>
+              <a:rPr lang="en-US" dirty="0">
+                <a:latin typeface="Arial" panose="020B0604020202020204" pitchFamily="34" charset="0"/>
+                <a:cs typeface="Arial" panose="020B0604020202020204" pitchFamily="34" charset="0"/>
+              </a:rPr>
+              <a:t>HTML/CSS</a:t>
+            </a:r>
+          </a:p>
+          <a:p>
+            <a:r>
+              <a:rPr lang="en-US" dirty="0">
+                <a:latin typeface="Arial" panose="020B0604020202020204" pitchFamily="34" charset="0"/>
+                <a:cs typeface="Arial" panose="020B0604020202020204" pitchFamily="34" charset="0"/>
+              </a:rPr>
+              <a:t>JavaScript</a:t>
+            </a:r>
+          </a:p>
+          <a:p>
+            <a:pPr lvl="1"/>
+            <a:r>
+              <a:rPr lang="en-US" dirty="0">
+                <a:latin typeface="Arial" panose="020B0604020202020204" pitchFamily="34" charset="0"/>
+                <a:cs typeface="Arial" panose="020B0604020202020204" pitchFamily="34" charset="0"/>
+              </a:rPr>
+              <a:t>Bar Char</a:t>
+            </a:r>
+          </a:p>
+          <a:p>
+            <a:pPr lvl="1"/>
+            <a:r>
+              <a:rPr lang="en-US" dirty="0">
+                <a:latin typeface="Arial" panose="020B0604020202020204" pitchFamily="34" charset="0"/>
+                <a:cs typeface="Arial" panose="020B0604020202020204" pitchFamily="34" charset="0"/>
+              </a:rPr>
+              <a:t>Bubble Chart</a:t>
+            </a:r>
+          </a:p>
+          <a:p>
+            <a:pPr lvl="1"/>
+            <a:r>
+              <a:rPr lang="en-US" dirty="0">
+                <a:latin typeface="Arial" panose="020B0604020202020204" pitchFamily="34" charset="0"/>
+                <a:cs typeface="Arial" panose="020B0604020202020204" pitchFamily="34" charset="0"/>
+              </a:rPr>
+              <a:t>Flight Map</a:t>
+            </a:r>
+          </a:p>
+          <a:p>
+            <a:endParaRPr lang="en-US" dirty="0">
+              <a:latin typeface="Arial" panose="020B0604020202020204" pitchFamily="34" charset="0"/>
+              <a:cs typeface="Arial" panose="020B0604020202020204" pitchFamily="34" charset="0"/>
+            </a:endParaRPr>
           </a:p>
         </p:txBody>
       </p:sp>
@@ -4164,6 +4246,362 @@
 
 <file path=ppt/slides/slide3.xml><?xml version="1.0" encoding="utf-8"?>
 <p:sld xmlns:a="http://schemas.openxmlformats.org/drawingml/2006/main" xmlns:r="http://schemas.openxmlformats.org/officeDocument/2006/relationships" xmlns:p="http://schemas.openxmlformats.org/presentationml/2006/main">
+  <p:cSld>
+    <p:spTree>
+      <p:nvGrpSpPr>
+        <p:cNvPr id="1" name=""/>
+        <p:cNvGrpSpPr/>
+        <p:nvPr/>
+      </p:nvGrpSpPr>
+      <p:grpSpPr>
+        <a:xfrm>
+          <a:off x="0" y="0"/>
+          <a:ext cx="0" cy="0"/>
+          <a:chOff x="0" y="0"/>
+          <a:chExt cx="0" cy="0"/>
+        </a:xfrm>
+      </p:grpSpPr>
+      <p:sp>
+        <p:nvSpPr>
+          <p:cNvPr id="2" name="Title 1">
+            <a:extLst>
+              <a:ext uri="{FF2B5EF4-FFF2-40B4-BE49-F238E27FC236}">
+                <a16:creationId xmlns:a16="http://schemas.microsoft.com/office/drawing/2014/main" id="{5DABE69F-7DC8-432D-AE14-D3C50D58E9E7}"/>
+              </a:ext>
+            </a:extLst>
+          </p:cNvPr>
+          <p:cNvSpPr>
+            <a:spLocks noGrp="1"/>
+          </p:cNvSpPr>
+          <p:nvPr>
+            <p:ph type="title"/>
+          </p:nvPr>
+        </p:nvSpPr>
+        <p:spPr/>
+        <p:txBody>
+          <a:bodyPr/>
+          <a:lstStyle/>
+          <a:p>
+            <a:r>
+              <a:rPr lang="en-US" b="1" dirty="0">
+                <a:latin typeface="Arial" panose="020B0604020202020204" pitchFamily="34" charset="0"/>
+                <a:cs typeface="Arial" panose="020B0604020202020204" pitchFamily="34" charset="0"/>
+              </a:rPr>
+              <a:t>Dashboard Overview</a:t>
+            </a:r>
+          </a:p>
+        </p:txBody>
+      </p:sp>
+      <p:sp>
+        <p:nvSpPr>
+          <p:cNvPr id="3" name="Content Placeholder 2">
+            <a:extLst>
+              <a:ext uri="{FF2B5EF4-FFF2-40B4-BE49-F238E27FC236}">
+                <a16:creationId xmlns:a16="http://schemas.microsoft.com/office/drawing/2014/main" id="{044403D8-97FD-46F5-BF7D-26F05FD8A4D1}"/>
+              </a:ext>
+            </a:extLst>
+          </p:cNvPr>
+          <p:cNvSpPr>
+            <a:spLocks noGrp="1"/>
+          </p:cNvSpPr>
+          <p:nvPr>
+            <p:ph idx="1"/>
+          </p:nvPr>
+        </p:nvSpPr>
+        <p:spPr/>
+        <p:txBody>
+          <a:bodyPr/>
+          <a:lstStyle/>
+          <a:p>
+            <a:endParaRPr lang="en-US" dirty="0">
+              <a:latin typeface="Arial" panose="020B0604020202020204" pitchFamily="34" charset="0"/>
+              <a:cs typeface="Arial" panose="020B0604020202020204" pitchFamily="34" charset="0"/>
+            </a:endParaRPr>
+          </a:p>
+        </p:txBody>
+      </p:sp>
+    </p:spTree>
+    <p:extLst>
+      <p:ext uri="{BB962C8B-B14F-4D97-AF65-F5344CB8AC3E}">
+        <p14:creationId xmlns:p14="http://schemas.microsoft.com/office/powerpoint/2010/main" val="844614862"/>
+      </p:ext>
+    </p:extLst>
+  </p:cSld>
+  <p:clrMapOvr>
+    <a:masterClrMapping/>
+  </p:clrMapOvr>
+</p:sld>
+</file>
+
+<file path=ppt/slides/slide4.xml><?xml version="1.0" encoding="utf-8"?>
+<p:sld xmlns:a="http://schemas.openxmlformats.org/drawingml/2006/main" xmlns:r="http://schemas.openxmlformats.org/officeDocument/2006/relationships" xmlns:p="http://schemas.openxmlformats.org/presentationml/2006/main">
+  <p:cSld>
+    <p:spTree>
+      <p:nvGrpSpPr>
+        <p:cNvPr id="1" name=""/>
+        <p:cNvGrpSpPr/>
+        <p:nvPr/>
+      </p:nvGrpSpPr>
+      <p:grpSpPr>
+        <a:xfrm>
+          <a:off x="0" y="0"/>
+          <a:ext cx="0" cy="0"/>
+          <a:chOff x="0" y="0"/>
+          <a:chExt cx="0" cy="0"/>
+        </a:xfrm>
+      </p:grpSpPr>
+      <p:sp>
+        <p:nvSpPr>
+          <p:cNvPr id="2" name="Title 1">
+            <a:extLst>
+              <a:ext uri="{FF2B5EF4-FFF2-40B4-BE49-F238E27FC236}">
+                <a16:creationId xmlns:a16="http://schemas.microsoft.com/office/drawing/2014/main" id="{5DABE69F-7DC8-432D-AE14-D3C50D58E9E7}"/>
+              </a:ext>
+            </a:extLst>
+          </p:cNvPr>
+          <p:cNvSpPr>
+            <a:spLocks noGrp="1"/>
+          </p:cNvSpPr>
+          <p:nvPr>
+            <p:ph type="title"/>
+          </p:nvPr>
+        </p:nvSpPr>
+        <p:spPr/>
+        <p:txBody>
+          <a:bodyPr/>
+          <a:lstStyle/>
+          <a:p>
+            <a:r>
+              <a:rPr lang="en-US" b="1" dirty="0">
+                <a:latin typeface="Arial" panose="020B0604020202020204" pitchFamily="34" charset="0"/>
+                <a:cs typeface="Arial" panose="020B0604020202020204" pitchFamily="34" charset="0"/>
+              </a:rPr>
+              <a:t>Visualization 1 (Bar Chart)</a:t>
+            </a:r>
+          </a:p>
+        </p:txBody>
+      </p:sp>
+      <p:sp>
+        <p:nvSpPr>
+          <p:cNvPr id="3" name="Content Placeholder 2">
+            <a:extLst>
+              <a:ext uri="{FF2B5EF4-FFF2-40B4-BE49-F238E27FC236}">
+                <a16:creationId xmlns:a16="http://schemas.microsoft.com/office/drawing/2014/main" id="{044403D8-97FD-46F5-BF7D-26F05FD8A4D1}"/>
+              </a:ext>
+            </a:extLst>
+          </p:cNvPr>
+          <p:cNvSpPr>
+            <a:spLocks noGrp="1"/>
+          </p:cNvSpPr>
+          <p:nvPr>
+            <p:ph idx="1"/>
+          </p:nvPr>
+        </p:nvSpPr>
+        <p:spPr/>
+        <p:txBody>
+          <a:bodyPr/>
+          <a:lstStyle/>
+          <a:p>
+            <a:endParaRPr lang="en-US" dirty="0">
+              <a:latin typeface="Arial" panose="020B0604020202020204" pitchFamily="34" charset="0"/>
+              <a:cs typeface="Arial" panose="020B0604020202020204" pitchFamily="34" charset="0"/>
+            </a:endParaRPr>
+          </a:p>
+        </p:txBody>
+      </p:sp>
+    </p:spTree>
+    <p:extLst>
+      <p:ext uri="{BB962C8B-B14F-4D97-AF65-F5344CB8AC3E}">
+        <p14:creationId xmlns:p14="http://schemas.microsoft.com/office/powerpoint/2010/main" val="2345549447"/>
+      </p:ext>
+    </p:extLst>
+  </p:cSld>
+  <p:clrMapOvr>
+    <a:masterClrMapping/>
+  </p:clrMapOvr>
+</p:sld>
+</file>
+
+<file path=ppt/slides/slide5.xml><?xml version="1.0" encoding="utf-8"?>
+<p:sld xmlns:a="http://schemas.openxmlformats.org/drawingml/2006/main" xmlns:r="http://schemas.openxmlformats.org/officeDocument/2006/relationships" xmlns:p="http://schemas.openxmlformats.org/presentationml/2006/main">
+  <p:cSld>
+    <p:spTree>
+      <p:nvGrpSpPr>
+        <p:cNvPr id="1" name=""/>
+        <p:cNvGrpSpPr/>
+        <p:nvPr/>
+      </p:nvGrpSpPr>
+      <p:grpSpPr>
+        <a:xfrm>
+          <a:off x="0" y="0"/>
+          <a:ext cx="0" cy="0"/>
+          <a:chOff x="0" y="0"/>
+          <a:chExt cx="0" cy="0"/>
+        </a:xfrm>
+      </p:grpSpPr>
+      <p:sp>
+        <p:nvSpPr>
+          <p:cNvPr id="2" name="Title 1">
+            <a:extLst>
+              <a:ext uri="{FF2B5EF4-FFF2-40B4-BE49-F238E27FC236}">
+                <a16:creationId xmlns:a16="http://schemas.microsoft.com/office/drawing/2014/main" id="{5DABE69F-7DC8-432D-AE14-D3C50D58E9E7}"/>
+              </a:ext>
+            </a:extLst>
+          </p:cNvPr>
+          <p:cNvSpPr>
+            <a:spLocks noGrp="1"/>
+          </p:cNvSpPr>
+          <p:nvPr>
+            <p:ph type="title"/>
+          </p:nvPr>
+        </p:nvSpPr>
+        <p:spPr/>
+        <p:txBody>
+          <a:bodyPr/>
+          <a:lstStyle/>
+          <a:p>
+            <a:r>
+              <a:rPr lang="en-US" b="1" dirty="0">
+                <a:latin typeface="Arial" panose="020B0604020202020204" pitchFamily="34" charset="0"/>
+                <a:cs typeface="Arial" panose="020B0604020202020204" pitchFamily="34" charset="0"/>
+              </a:rPr>
+              <a:t>Visualization 2 (Bubble Chart)</a:t>
+            </a:r>
+          </a:p>
+        </p:txBody>
+      </p:sp>
+      <p:sp>
+        <p:nvSpPr>
+          <p:cNvPr id="3" name="Content Placeholder 2">
+            <a:extLst>
+              <a:ext uri="{FF2B5EF4-FFF2-40B4-BE49-F238E27FC236}">
+                <a16:creationId xmlns:a16="http://schemas.microsoft.com/office/drawing/2014/main" id="{044403D8-97FD-46F5-BF7D-26F05FD8A4D1}"/>
+              </a:ext>
+            </a:extLst>
+          </p:cNvPr>
+          <p:cNvSpPr>
+            <a:spLocks noGrp="1"/>
+          </p:cNvSpPr>
+          <p:nvPr>
+            <p:ph idx="1"/>
+          </p:nvPr>
+        </p:nvSpPr>
+        <p:spPr/>
+        <p:txBody>
+          <a:bodyPr/>
+          <a:lstStyle/>
+          <a:p>
+            <a:endParaRPr lang="en-US" dirty="0">
+              <a:latin typeface="Arial" panose="020B0604020202020204" pitchFamily="34" charset="0"/>
+              <a:cs typeface="Arial" panose="020B0604020202020204" pitchFamily="34" charset="0"/>
+            </a:endParaRPr>
+          </a:p>
+        </p:txBody>
+      </p:sp>
+    </p:spTree>
+    <p:extLst>
+      <p:ext uri="{BB962C8B-B14F-4D97-AF65-F5344CB8AC3E}">
+        <p14:creationId xmlns:p14="http://schemas.microsoft.com/office/powerpoint/2010/main" val="661972521"/>
+      </p:ext>
+    </p:extLst>
+  </p:cSld>
+  <p:clrMapOvr>
+    <a:masterClrMapping/>
+  </p:clrMapOvr>
+</p:sld>
+</file>
+
+<file path=ppt/slides/slide6.xml><?xml version="1.0" encoding="utf-8"?>
+<p:sld xmlns:a="http://schemas.openxmlformats.org/drawingml/2006/main" xmlns:r="http://schemas.openxmlformats.org/officeDocument/2006/relationships" xmlns:p="http://schemas.openxmlformats.org/presentationml/2006/main">
+  <p:cSld>
+    <p:spTree>
+      <p:nvGrpSpPr>
+        <p:cNvPr id="1" name=""/>
+        <p:cNvGrpSpPr/>
+        <p:nvPr/>
+      </p:nvGrpSpPr>
+      <p:grpSpPr>
+        <a:xfrm>
+          <a:off x="0" y="0"/>
+          <a:ext cx="0" cy="0"/>
+          <a:chOff x="0" y="0"/>
+          <a:chExt cx="0" cy="0"/>
+        </a:xfrm>
+      </p:grpSpPr>
+      <p:sp>
+        <p:nvSpPr>
+          <p:cNvPr id="2" name="Title 1">
+            <a:extLst>
+              <a:ext uri="{FF2B5EF4-FFF2-40B4-BE49-F238E27FC236}">
+                <a16:creationId xmlns:a16="http://schemas.microsoft.com/office/drawing/2014/main" id="{5DABE69F-7DC8-432D-AE14-D3C50D58E9E7}"/>
+              </a:ext>
+            </a:extLst>
+          </p:cNvPr>
+          <p:cNvSpPr>
+            <a:spLocks noGrp="1"/>
+          </p:cNvSpPr>
+          <p:nvPr>
+            <p:ph type="title"/>
+          </p:nvPr>
+        </p:nvSpPr>
+        <p:spPr/>
+        <p:txBody>
+          <a:bodyPr/>
+          <a:lstStyle/>
+          <a:p>
+            <a:r>
+              <a:rPr lang="en-US" b="1" dirty="0">
+                <a:latin typeface="Arial" panose="020B0604020202020204" pitchFamily="34" charset="0"/>
+                <a:cs typeface="Arial" panose="020B0604020202020204" pitchFamily="34" charset="0"/>
+              </a:rPr>
+              <a:t>Visualization 3 (Flight Map)</a:t>
+            </a:r>
+          </a:p>
+        </p:txBody>
+      </p:sp>
+      <p:sp>
+        <p:nvSpPr>
+          <p:cNvPr id="3" name="Content Placeholder 2">
+            <a:extLst>
+              <a:ext uri="{FF2B5EF4-FFF2-40B4-BE49-F238E27FC236}">
+                <a16:creationId xmlns:a16="http://schemas.microsoft.com/office/drawing/2014/main" id="{044403D8-97FD-46F5-BF7D-26F05FD8A4D1}"/>
+              </a:ext>
+            </a:extLst>
+          </p:cNvPr>
+          <p:cNvSpPr>
+            <a:spLocks noGrp="1"/>
+          </p:cNvSpPr>
+          <p:nvPr>
+            <p:ph idx="1"/>
+          </p:nvPr>
+        </p:nvSpPr>
+        <p:spPr/>
+        <p:txBody>
+          <a:bodyPr/>
+          <a:lstStyle/>
+          <a:p>
+            <a:endParaRPr lang="en-US" dirty="0">
+              <a:latin typeface="Arial" panose="020B0604020202020204" pitchFamily="34" charset="0"/>
+              <a:cs typeface="Arial" panose="020B0604020202020204" pitchFamily="34" charset="0"/>
+            </a:endParaRPr>
+          </a:p>
+        </p:txBody>
+      </p:sp>
+    </p:spTree>
+    <p:extLst>
+      <p:ext uri="{BB962C8B-B14F-4D97-AF65-F5344CB8AC3E}">
+        <p14:creationId xmlns:p14="http://schemas.microsoft.com/office/powerpoint/2010/main" val="1184640519"/>
+      </p:ext>
+    </p:extLst>
+  </p:cSld>
+  <p:clrMapOvr>
+    <a:masterClrMapping/>
+  </p:clrMapOvr>
+</p:sld>
+</file>
+
+<file path=ppt/slides/slide7.xml><?xml version="1.0" encoding="utf-8"?>
+<p:sld xmlns:a="http://schemas.openxmlformats.org/drawingml/2006/main" xmlns:r="http://schemas.openxmlformats.org/officeDocument/2006/relationships" xmlns:p="http://schemas.openxmlformats.org/presentationml/2006/main" show="0">
   <p:cSld>
     <p:spTree>
       <p:nvGrpSpPr>
